--- a/MarininaSR_01_02_Публикация.pptx
+++ b/MarininaSR_01_02_Публикация.pptx
@@ -5,12 +5,13 @@
     <p:sldMasterId id="2147483648" r:id="rId1"/>
   </p:sldMasterIdLst>
   <p:sldIdLst>
-    <p:sldId id="256" r:id="rId2"/>
-    <p:sldId id="257" r:id="rId3"/>
-    <p:sldId id="258" r:id="rId4"/>
-    <p:sldId id="259" r:id="rId5"/>
-    <p:sldId id="260" r:id="rId6"/>
-    <p:sldId id="261" r:id="rId7"/>
+    <p:sldId id="262" r:id="rId2"/>
+    <p:sldId id="256" r:id="rId3"/>
+    <p:sldId id="257" r:id="rId4"/>
+    <p:sldId id="258" r:id="rId5"/>
+    <p:sldId id="259" r:id="rId6"/>
+    <p:sldId id="260" r:id="rId7"/>
+    <p:sldId id="261" r:id="rId8"/>
   </p:sldIdLst>
   <p:sldSz cx="12192000" cy="6858000"/>
   <p:notesSz cx="6858000" cy="9144000"/>
@@ -3333,401 +3334,115 @@
       </p:grpSpPr>
       <p:sp>
         <p:nvSpPr>
-          <p:cNvPr id="4" name="TextBox 3">
-            <a:extLst>
-              <a:ext uri="{FF2B5EF4-FFF2-40B4-BE49-F238E27FC236}">
-                <a16:creationId xmlns:a16="http://schemas.microsoft.com/office/drawing/2014/main" id="{5A8734AC-C469-9C77-28B5-88AC134F08E7}"/>
-              </a:ext>
-            </a:extLst>
-          </p:cNvPr>
-          <p:cNvSpPr txBox="1"/>
-          <p:nvPr/>
-        </p:nvSpPr>
-        <p:spPr>
-          <a:xfrm>
-            <a:off x="748190" y="347132"/>
-            <a:ext cx="6346866" cy="830997"/>
-          </a:xfrm>
-          <a:prstGeom prst="rect">
-            <a:avLst/>
-          </a:prstGeom>
-          <a:noFill/>
-        </p:spPr>
-        <p:txBody>
-          <a:bodyPr wrap="none" rtlCol="0">
-            <a:spAutoFit/>
-          </a:bodyPr>
+          <p:cNvPr id="6" name="Заголовок 5">
+            <a:extLst>
+              <a:ext uri="{FF2B5EF4-FFF2-40B4-BE49-F238E27FC236}">
+                <a16:creationId xmlns:a16="http://schemas.microsoft.com/office/drawing/2014/main" id="{0054812B-A660-4A85-AC73-A57D0DA6689B}"/>
+              </a:ext>
+            </a:extLst>
+          </p:cNvPr>
+          <p:cNvSpPr>
+            <a:spLocks noGrp="1"/>
+          </p:cNvSpPr>
+          <p:nvPr>
+            <p:ph type="ctrTitle"/>
+          </p:nvPr>
+        </p:nvSpPr>
+        <p:spPr/>
+        <p:txBody>
+          <a:bodyPr/>
           <a:lstStyle/>
           <a:p>
-            <a:r>
-              <a:rPr lang="ru-RU" sz="2400" dirty="0">
-                <a:latin typeface="Times New Roman" panose="02020603050405020304" pitchFamily="18" charset="0"/>
-                <a:cs typeface="Times New Roman" panose="02020603050405020304" pitchFamily="18" charset="0"/>
-              </a:rPr>
-              <a:t>Название приложения: </a:t>
-            </a:r>
-            <a:r>
-              <a:rPr lang="en-US" sz="2400" b="1">
-                <a:latin typeface="Times New Roman" panose="02020603050405020304" pitchFamily="18" charset="0"/>
-                <a:cs typeface="Times New Roman" panose="02020603050405020304" pitchFamily="18" charset="0"/>
-              </a:rPr>
-              <a:t>Chubarkov_MV_</a:t>
-            </a:r>
-            <a:r>
-              <a:rPr lang="en-US" sz="2400" b="1" dirty="0">
-                <a:latin typeface="Times New Roman" panose="02020603050405020304" pitchFamily="18" charset="0"/>
-                <a:cs typeface="Times New Roman" panose="02020603050405020304" pitchFamily="18" charset="0"/>
-              </a:rPr>
-              <a:t>01_02</a:t>
-            </a:r>
-            <a:endParaRPr lang="ru-RU" sz="2400" b="1" dirty="0">
-              <a:latin typeface="Times New Roman" panose="02020603050405020304" pitchFamily="18" charset="0"/>
-              <a:cs typeface="Times New Roman" panose="02020603050405020304" pitchFamily="18" charset="0"/>
-            </a:endParaRPr>
-          </a:p>
-          <a:p>
-            <a:endParaRPr lang="ru-RU" sz="2400" dirty="0">
-              <a:latin typeface="Times New Roman" panose="02020603050405020304" pitchFamily="18" charset="0"/>
-              <a:cs typeface="Times New Roman" panose="02020603050405020304" pitchFamily="18" charset="0"/>
-            </a:endParaRPr>
-          </a:p>
-        </p:txBody>
-      </p:sp>
-      <p:sp>
-        <p:nvSpPr>
-          <p:cNvPr id="5" name="TextBox 4">
-            <a:extLst>
-              <a:ext uri="{FF2B5EF4-FFF2-40B4-BE49-F238E27FC236}">
-                <a16:creationId xmlns:a16="http://schemas.microsoft.com/office/drawing/2014/main" id="{E11D8A04-AE7E-3AD2-978A-A0F385DEC40D}"/>
-              </a:ext>
-            </a:extLst>
-          </p:cNvPr>
-          <p:cNvSpPr txBox="1"/>
-          <p:nvPr/>
-        </p:nvSpPr>
-        <p:spPr>
-          <a:xfrm>
-            <a:off x="748190" y="1016000"/>
-            <a:ext cx="1225528" cy="461665"/>
-          </a:xfrm>
-          <a:prstGeom prst="rect">
-            <a:avLst/>
-          </a:prstGeom>
-          <a:noFill/>
-        </p:spPr>
-        <p:txBody>
-          <a:bodyPr wrap="none" rtlCol="0">
-            <a:spAutoFit/>
-          </a:bodyPr>
-          <a:lstStyle/>
-          <a:p>
-            <a:r>
-              <a:rPr lang="ru-RU" sz="2400" dirty="0">
-                <a:latin typeface="Times New Roman" panose="02020603050405020304" pitchFamily="18" charset="0"/>
-                <a:cs typeface="Times New Roman" panose="02020603050405020304" pitchFamily="18" charset="0"/>
-              </a:rPr>
-              <a:t>Иконка:</a:t>
-            </a:r>
-          </a:p>
-        </p:txBody>
-      </p:sp>
-      <p:sp>
-        <p:nvSpPr>
-          <p:cNvPr id="8" name="TextBox 7">
-            <a:extLst>
-              <a:ext uri="{FF2B5EF4-FFF2-40B4-BE49-F238E27FC236}">
-                <a16:creationId xmlns:a16="http://schemas.microsoft.com/office/drawing/2014/main" id="{CAEBC706-EA03-0B7F-E592-4B2AAB434A2D}"/>
-              </a:ext>
-            </a:extLst>
-          </p:cNvPr>
-          <p:cNvSpPr txBox="1"/>
-          <p:nvPr/>
-        </p:nvSpPr>
-        <p:spPr>
-          <a:xfrm>
-            <a:off x="748190" y="1728132"/>
-            <a:ext cx="2962158" cy="461665"/>
-          </a:xfrm>
-          <a:prstGeom prst="rect">
-            <a:avLst/>
-          </a:prstGeom>
-          <a:noFill/>
-        </p:spPr>
-        <p:txBody>
-          <a:bodyPr wrap="none" rtlCol="0">
-            <a:spAutoFit/>
-          </a:bodyPr>
-          <a:lstStyle/>
-          <a:p>
-            <a:r>
-              <a:rPr lang="ru-RU" sz="2400" dirty="0">
-                <a:latin typeface="Times New Roman" panose="02020603050405020304" pitchFamily="18" charset="0"/>
-                <a:cs typeface="Times New Roman" panose="02020603050405020304" pitchFamily="18" charset="0"/>
-              </a:rPr>
-              <a:t>Экраны приложения:</a:t>
-            </a:r>
-          </a:p>
-        </p:txBody>
-      </p:sp>
-      <p:sp>
-        <p:nvSpPr>
-          <p:cNvPr id="15" name="TextBox 14">
-            <a:extLst>
-              <a:ext uri="{FF2B5EF4-FFF2-40B4-BE49-F238E27FC236}">
-                <a16:creationId xmlns:a16="http://schemas.microsoft.com/office/drawing/2014/main" id="{96758E2D-9CAA-58A6-E1DF-C487CFC4C336}"/>
-              </a:ext>
-            </a:extLst>
-          </p:cNvPr>
-          <p:cNvSpPr txBox="1"/>
-          <p:nvPr/>
-        </p:nvSpPr>
-        <p:spPr>
-          <a:xfrm>
-            <a:off x="2291037" y="6221024"/>
-            <a:ext cx="1071143" cy="369332"/>
-          </a:xfrm>
-          <a:prstGeom prst="rect">
-            <a:avLst/>
-          </a:prstGeom>
-          <a:noFill/>
-        </p:spPr>
-        <p:txBody>
-          <a:bodyPr wrap="square" rtlCol="0">
-            <a:spAutoFit/>
-          </a:bodyPr>
-          <a:lstStyle/>
-          <a:p>
-            <a:pPr algn="ctr"/>
             <a:r>
               <a:rPr lang="ru-RU" dirty="0">
                 <a:latin typeface="Times New Roman" panose="02020603050405020304" pitchFamily="18" charset="0"/>
                 <a:cs typeface="Times New Roman" panose="02020603050405020304" pitchFamily="18" charset="0"/>
               </a:rPr>
-              <a:t>Экран 1</a:t>
-            </a:r>
-          </a:p>
-        </p:txBody>
-      </p:sp>
-      <p:sp>
-        <p:nvSpPr>
-          <p:cNvPr id="16" name="TextBox 15">
-            <a:extLst>
-              <a:ext uri="{FF2B5EF4-FFF2-40B4-BE49-F238E27FC236}">
-                <a16:creationId xmlns:a16="http://schemas.microsoft.com/office/drawing/2014/main" id="{B9908F75-763B-E8FC-95A1-0AE669F67C41}"/>
-              </a:ext>
-            </a:extLst>
-          </p:cNvPr>
-          <p:cNvSpPr txBox="1"/>
-          <p:nvPr/>
+              <a:t>Название приложения</a:t>
+            </a:r>
+            <a:r>
+              <a:rPr lang="en-US" dirty="0">
+                <a:latin typeface="Times New Roman" panose="02020603050405020304" pitchFamily="18" charset="0"/>
+                <a:cs typeface="Times New Roman" panose="02020603050405020304" pitchFamily="18" charset="0"/>
+              </a:rPr>
+              <a:t>: MarininaSR_01_02</a:t>
+            </a:r>
+            <a:endParaRPr lang="ru-RU" dirty="0">
+              <a:latin typeface="Times New Roman" panose="02020603050405020304" pitchFamily="18" charset="0"/>
+              <a:cs typeface="Times New Roman" panose="02020603050405020304" pitchFamily="18" charset="0"/>
+            </a:endParaRPr>
+          </a:p>
+        </p:txBody>
+      </p:sp>
+      <p:sp>
+        <p:nvSpPr>
+          <p:cNvPr id="7" name="Подзаголовок 6">
+            <a:extLst>
+              <a:ext uri="{FF2B5EF4-FFF2-40B4-BE49-F238E27FC236}">
+                <a16:creationId xmlns:a16="http://schemas.microsoft.com/office/drawing/2014/main" id="{979DCB88-7C0D-4D47-9312-93163555A906}"/>
+              </a:ext>
+            </a:extLst>
+          </p:cNvPr>
+          <p:cNvSpPr>
+            <a:spLocks noGrp="1"/>
+          </p:cNvSpPr>
+          <p:nvPr>
+            <p:ph type="subTitle" idx="1"/>
+          </p:nvPr>
         </p:nvSpPr>
         <p:spPr>
           <a:xfrm>
-            <a:off x="5801474" y="6221024"/>
-            <a:ext cx="1071143" cy="369332"/>
+            <a:off x="2039156" y="4381208"/>
+            <a:ext cx="9144000" cy="1655762"/>
           </a:xfrm>
-          <a:prstGeom prst="rect">
-            <a:avLst/>
-          </a:prstGeom>
-          <a:noFill/>
         </p:spPr>
         <p:txBody>
-          <a:bodyPr wrap="square" rtlCol="0">
-            <a:spAutoFit/>
-          </a:bodyPr>
+          <a:bodyPr/>
           <a:lstStyle/>
           <a:p>
-            <a:pPr algn="ctr"/>
+            <a:pPr algn="r"/>
             <a:r>
               <a:rPr lang="ru-RU" dirty="0">
                 <a:latin typeface="Times New Roman" panose="02020603050405020304" pitchFamily="18" charset="0"/>
                 <a:cs typeface="Times New Roman" panose="02020603050405020304" pitchFamily="18" charset="0"/>
               </a:rPr>
-              <a:t>Экран 2</a:t>
-            </a:r>
-          </a:p>
-        </p:txBody>
-      </p:sp>
-      <p:sp>
-        <p:nvSpPr>
-          <p:cNvPr id="17" name="TextBox 16">
-            <a:extLst>
-              <a:ext uri="{FF2B5EF4-FFF2-40B4-BE49-F238E27FC236}">
-                <a16:creationId xmlns:a16="http://schemas.microsoft.com/office/drawing/2014/main" id="{6A7046FA-F4C7-B230-9947-CF82352261AD}"/>
-              </a:ext>
-            </a:extLst>
-          </p:cNvPr>
-          <p:cNvSpPr txBox="1"/>
-          <p:nvPr/>
-        </p:nvSpPr>
-        <p:spPr>
-          <a:xfrm>
-            <a:off x="9365391" y="6221024"/>
-            <a:ext cx="1071143" cy="369332"/>
-          </a:xfrm>
-          <a:prstGeom prst="rect">
-            <a:avLst/>
-          </a:prstGeom>
-          <a:noFill/>
-        </p:spPr>
-        <p:txBody>
-          <a:bodyPr wrap="square" rtlCol="0">
-            <a:spAutoFit/>
-          </a:bodyPr>
-          <a:lstStyle/>
-          <a:p>
-            <a:pPr algn="ctr"/>
+              <a:t>Выполнила</a:t>
+            </a:r>
+            <a:r>
+              <a:rPr lang="en-US" dirty="0">
+                <a:latin typeface="Times New Roman" panose="02020603050405020304" pitchFamily="18" charset="0"/>
+                <a:cs typeface="Times New Roman" panose="02020603050405020304" pitchFamily="18" charset="0"/>
+              </a:rPr>
+              <a:t>:</a:t>
+            </a:r>
             <a:r>
               <a:rPr lang="ru-RU" dirty="0">
                 <a:latin typeface="Times New Roman" panose="02020603050405020304" pitchFamily="18" charset="0"/>
                 <a:cs typeface="Times New Roman" panose="02020603050405020304" pitchFamily="18" charset="0"/>
               </a:rPr>
-              <a:t>Экран 3</a:t>
-            </a:r>
-          </a:p>
-        </p:txBody>
-      </p:sp>
-      <p:pic>
-        <p:nvPicPr>
-          <p:cNvPr id="3" name="Рисунок 2">
-            <a:extLst>
-              <a:ext uri="{FF2B5EF4-FFF2-40B4-BE49-F238E27FC236}">
-                <a16:creationId xmlns:a16="http://schemas.microsoft.com/office/drawing/2014/main" id="{C357A002-C449-4CDC-A615-B9E10E525475}"/>
-              </a:ext>
-            </a:extLst>
-          </p:cNvPr>
-          <p:cNvPicPr>
-            <a:picLocks noChangeAspect="1"/>
-          </p:cNvPicPr>
-          <p:nvPr/>
-        </p:nvPicPr>
-        <p:blipFill>
-          <a:blip r:embed="rId2">
-            <a:extLst>
-              <a:ext uri="{28A0092B-C50C-407E-A947-70E740481C1C}">
-                <a14:useLocalDpi xmlns:a14="http://schemas.microsoft.com/office/drawing/2010/main" val="0"/>
-              </a:ext>
-            </a:extLst>
-          </a:blip>
-          <a:stretch>
-            <a:fillRect/>
-          </a:stretch>
-        </p:blipFill>
-        <p:spPr>
-          <a:xfrm>
-            <a:off x="1973718" y="783785"/>
-            <a:ext cx="927279" cy="927279"/>
-          </a:xfrm>
-          <a:prstGeom prst="rect">
-            <a:avLst/>
-          </a:prstGeom>
-        </p:spPr>
-      </p:pic>
-      <p:pic>
-        <p:nvPicPr>
-          <p:cNvPr id="18" name="Рисунок 17">
-            <a:extLst>
-              <a:ext uri="{FF2B5EF4-FFF2-40B4-BE49-F238E27FC236}">
-                <a16:creationId xmlns:a16="http://schemas.microsoft.com/office/drawing/2014/main" id="{DE6B71E3-7537-4355-A1AC-25C9E794C29D}"/>
-              </a:ext>
-            </a:extLst>
-          </p:cNvPr>
-          <p:cNvPicPr/>
-          <p:nvPr/>
-        </p:nvPicPr>
-        <p:blipFill>
-          <a:blip r:embed="rId3">
-            <a:extLst>
-              <a:ext uri="{28A0092B-C50C-407E-A947-70E740481C1C}">
-                <a14:useLocalDpi xmlns:a14="http://schemas.microsoft.com/office/drawing/2010/main" val="0"/>
-              </a:ext>
-            </a:extLst>
-          </a:blip>
-          <a:stretch>
-            <a:fillRect/>
-          </a:stretch>
-        </p:blipFill>
-        <p:spPr>
-          <a:xfrm>
-            <a:off x="1792544" y="2379932"/>
-            <a:ext cx="2068128" cy="3804881"/>
-          </a:xfrm>
-          <a:prstGeom prst="rect">
-            <a:avLst/>
-          </a:prstGeom>
-        </p:spPr>
-      </p:pic>
-      <p:pic>
-        <p:nvPicPr>
-          <p:cNvPr id="19" name="Рисунок 18">
-            <a:extLst>
-              <a:ext uri="{FF2B5EF4-FFF2-40B4-BE49-F238E27FC236}">
-                <a16:creationId xmlns:a16="http://schemas.microsoft.com/office/drawing/2014/main" id="{A5762C32-F2F2-421A-B4A6-367E6935DFCE}"/>
-              </a:ext>
-            </a:extLst>
-          </p:cNvPr>
-          <p:cNvPicPr/>
-          <p:nvPr/>
-        </p:nvPicPr>
-        <p:blipFill>
-          <a:blip r:embed="rId4">
-            <a:extLst>
-              <a:ext uri="{28A0092B-C50C-407E-A947-70E740481C1C}">
-                <a14:useLocalDpi xmlns:a14="http://schemas.microsoft.com/office/drawing/2010/main" val="0"/>
-              </a:ext>
-            </a:extLst>
-          </a:blip>
-          <a:stretch>
-            <a:fillRect/>
-          </a:stretch>
-        </p:blipFill>
-        <p:spPr>
-          <a:xfrm>
-            <a:off x="5326289" y="2379932"/>
-            <a:ext cx="2021511" cy="3788833"/>
-          </a:xfrm>
-          <a:prstGeom prst="rect">
-            <a:avLst/>
-          </a:prstGeom>
-        </p:spPr>
-      </p:pic>
-      <p:pic>
-        <p:nvPicPr>
-          <p:cNvPr id="20" name="Рисунок 19">
-            <a:extLst>
-              <a:ext uri="{FF2B5EF4-FFF2-40B4-BE49-F238E27FC236}">
-                <a16:creationId xmlns:a16="http://schemas.microsoft.com/office/drawing/2014/main" id="{A16055C2-FB32-4A32-BB1E-5AD089D3A71E}"/>
-              </a:ext>
-            </a:extLst>
-          </p:cNvPr>
-          <p:cNvPicPr/>
-          <p:nvPr/>
-        </p:nvPicPr>
-        <p:blipFill>
-          <a:blip r:embed="rId5">
-            <a:extLst>
-              <a:ext uri="{28A0092B-C50C-407E-A947-70E740481C1C}">
-                <a14:useLocalDpi xmlns:a14="http://schemas.microsoft.com/office/drawing/2010/main" val="0"/>
-              </a:ext>
-            </a:extLst>
-          </a:blip>
-          <a:stretch>
-            <a:fillRect/>
-          </a:stretch>
-        </p:blipFill>
-        <p:spPr>
-          <a:xfrm>
-            <a:off x="8813417" y="2406493"/>
-            <a:ext cx="2005618" cy="3778320"/>
-          </a:xfrm>
-          <a:prstGeom prst="rect">
-            <a:avLst/>
-          </a:prstGeom>
-        </p:spPr>
-      </p:pic>
+              <a:t> Маринина Светлана</a:t>
+            </a:r>
+          </a:p>
+          <a:p>
+            <a:pPr algn="r"/>
+            <a:r>
+              <a:rPr lang="ru-RU" dirty="0">
+                <a:latin typeface="Times New Roman" panose="02020603050405020304" pitchFamily="18" charset="0"/>
+                <a:cs typeface="Times New Roman" panose="02020603050405020304" pitchFamily="18" charset="0"/>
+              </a:rPr>
+              <a:t>Студентка группы ПР-31</a:t>
+            </a:r>
+          </a:p>
+          <a:p>
+            <a:pPr algn="r"/>
+            <a:endParaRPr lang="ru-RU" dirty="0"/>
+          </a:p>
+        </p:txBody>
+      </p:sp>
     </p:spTree>
     <p:extLst>
       <p:ext uri="{BB962C8B-B14F-4D97-AF65-F5344CB8AC3E}">
-        <p14:creationId xmlns:p14="http://schemas.microsoft.com/office/powerpoint/2010/main" val="998118718"/>
+        <p14:creationId xmlns:p14="http://schemas.microsoft.com/office/powerpoint/2010/main" val="2837109379"/>
       </p:ext>
     </p:extLst>
   </p:cSld>
@@ -3759,7 +3474,7 @@
           <p:cNvPr id="4" name="TextBox 3">
             <a:extLst>
               <a:ext uri="{FF2B5EF4-FFF2-40B4-BE49-F238E27FC236}">
-                <a16:creationId xmlns:a16="http://schemas.microsoft.com/office/drawing/2014/main" id="{75C789C2-CD45-A065-8880-7B3B1D9F89F2}"/>
+                <a16:creationId xmlns:a16="http://schemas.microsoft.com/office/drawing/2014/main" id="{5A8734AC-C469-9C77-28B5-88AC134F08E7}"/>
               </a:ext>
             </a:extLst>
           </p:cNvPr>
@@ -3768,8 +3483,8 @@
         </p:nvSpPr>
         <p:spPr>
           <a:xfrm>
-            <a:off x="4541823" y="321734"/>
-            <a:ext cx="3108351" cy="646331"/>
+            <a:off x="748190" y="347132"/>
+            <a:ext cx="5814669" cy="830997"/>
           </a:xfrm>
           <a:prstGeom prst="rect">
             <a:avLst/>
@@ -3783,25 +3498,273 @@
           <a:lstStyle/>
           <a:p>
             <a:r>
-              <a:rPr lang="ru-RU" sz="3600" dirty="0">
+              <a:rPr lang="ru-RU" sz="2400" dirty="0">
                 <a:latin typeface="Times New Roman" panose="02020603050405020304" pitchFamily="18" charset="0"/>
                 <a:cs typeface="Times New Roman" panose="02020603050405020304" pitchFamily="18" charset="0"/>
               </a:rPr>
-              <a:t>Схема классов</a:t>
-            </a:r>
-            <a:r>
-              <a:rPr lang="ru-RU" dirty="0"/>
-              <a:t>:</a:t>
-            </a:r>
+              <a:t>Название приложения: </a:t>
+            </a:r>
+            <a:r>
+              <a:rPr lang="en-US" sz="2400" b="1" dirty="0">
+                <a:latin typeface="Times New Roman" panose="02020603050405020304" pitchFamily="18" charset="0"/>
+                <a:cs typeface="Times New Roman" panose="02020603050405020304" pitchFamily="18" charset="0"/>
+              </a:rPr>
+              <a:t>MarininaSR_01_02</a:t>
+            </a:r>
+            <a:endParaRPr lang="ru-RU" sz="2400" b="1" dirty="0">
+              <a:latin typeface="Times New Roman" panose="02020603050405020304" pitchFamily="18" charset="0"/>
+              <a:cs typeface="Times New Roman" panose="02020603050405020304" pitchFamily="18" charset="0"/>
+            </a:endParaRPr>
+          </a:p>
+          <a:p>
+            <a:endParaRPr lang="ru-RU" sz="2400" dirty="0">
+              <a:latin typeface="Times New Roman" panose="02020603050405020304" pitchFamily="18" charset="0"/>
+              <a:cs typeface="Times New Roman" panose="02020603050405020304" pitchFamily="18" charset="0"/>
+            </a:endParaRPr>
+          </a:p>
+        </p:txBody>
+      </p:sp>
+      <p:sp>
+        <p:nvSpPr>
+          <p:cNvPr id="5" name="TextBox 4">
+            <a:extLst>
+              <a:ext uri="{FF2B5EF4-FFF2-40B4-BE49-F238E27FC236}">
+                <a16:creationId xmlns:a16="http://schemas.microsoft.com/office/drawing/2014/main" id="{E11D8A04-AE7E-3AD2-978A-A0F385DEC40D}"/>
+              </a:ext>
+            </a:extLst>
+          </p:cNvPr>
+          <p:cNvSpPr txBox="1"/>
+          <p:nvPr/>
+        </p:nvSpPr>
+        <p:spPr>
+          <a:xfrm>
+            <a:off x="748190" y="1016000"/>
+            <a:ext cx="1225528" cy="461665"/>
+          </a:xfrm>
+          <a:prstGeom prst="rect">
+            <a:avLst/>
+          </a:prstGeom>
+          <a:noFill/>
+        </p:spPr>
+        <p:txBody>
+          <a:bodyPr wrap="none" rtlCol="0">
+            <a:spAutoFit/>
+          </a:bodyPr>
+          <a:lstStyle/>
+          <a:p>
+            <a:r>
+              <a:rPr lang="ru-RU" sz="2400" dirty="0">
+                <a:latin typeface="Times New Roman" panose="02020603050405020304" pitchFamily="18" charset="0"/>
+                <a:cs typeface="Times New Roman" panose="02020603050405020304" pitchFamily="18" charset="0"/>
+              </a:rPr>
+              <a:t>Иконка:</a:t>
+            </a:r>
+          </a:p>
+        </p:txBody>
+      </p:sp>
+      <p:sp>
+        <p:nvSpPr>
+          <p:cNvPr id="8" name="TextBox 7">
+            <a:extLst>
+              <a:ext uri="{FF2B5EF4-FFF2-40B4-BE49-F238E27FC236}">
+                <a16:creationId xmlns:a16="http://schemas.microsoft.com/office/drawing/2014/main" id="{CAEBC706-EA03-0B7F-E592-4B2AAB434A2D}"/>
+              </a:ext>
+            </a:extLst>
+          </p:cNvPr>
+          <p:cNvSpPr txBox="1"/>
+          <p:nvPr/>
+        </p:nvSpPr>
+        <p:spPr>
+          <a:xfrm>
+            <a:off x="748190" y="1728132"/>
+            <a:ext cx="2962158" cy="461665"/>
+          </a:xfrm>
+          <a:prstGeom prst="rect">
+            <a:avLst/>
+          </a:prstGeom>
+          <a:noFill/>
+        </p:spPr>
+        <p:txBody>
+          <a:bodyPr wrap="none" rtlCol="0">
+            <a:spAutoFit/>
+          </a:bodyPr>
+          <a:lstStyle/>
+          <a:p>
+            <a:r>
+              <a:rPr lang="ru-RU" sz="2400" dirty="0">
+                <a:latin typeface="Times New Roman" panose="02020603050405020304" pitchFamily="18" charset="0"/>
+                <a:cs typeface="Times New Roman" panose="02020603050405020304" pitchFamily="18" charset="0"/>
+              </a:rPr>
+              <a:t>Экраны приложения:</a:t>
+            </a:r>
+          </a:p>
+        </p:txBody>
+      </p:sp>
+      <p:sp>
+        <p:nvSpPr>
+          <p:cNvPr id="15" name="TextBox 14">
+            <a:extLst>
+              <a:ext uri="{FF2B5EF4-FFF2-40B4-BE49-F238E27FC236}">
+                <a16:creationId xmlns:a16="http://schemas.microsoft.com/office/drawing/2014/main" id="{96758E2D-9CAA-58A6-E1DF-C487CFC4C336}"/>
+              </a:ext>
+            </a:extLst>
+          </p:cNvPr>
+          <p:cNvSpPr txBox="1"/>
+          <p:nvPr/>
+        </p:nvSpPr>
+        <p:spPr>
+          <a:xfrm>
+            <a:off x="2116461" y="6146289"/>
+            <a:ext cx="1830914" cy="646331"/>
+          </a:xfrm>
+          <a:prstGeom prst="rect">
+            <a:avLst/>
+          </a:prstGeom>
+          <a:noFill/>
+        </p:spPr>
+        <p:txBody>
+          <a:bodyPr wrap="square" rtlCol="0">
+            <a:spAutoFit/>
+          </a:bodyPr>
+          <a:lstStyle/>
+          <a:p>
+            <a:pPr algn="ctr"/>
+            <a:r>
+              <a:rPr lang="ru-RU" dirty="0">
+                <a:latin typeface="Times New Roman" panose="02020603050405020304" pitchFamily="18" charset="0"/>
+                <a:cs typeface="Times New Roman" panose="02020603050405020304" pitchFamily="18" charset="0"/>
+              </a:rPr>
+              <a:t>Рисунок1</a:t>
+            </a:r>
+          </a:p>
+          <a:p>
+            <a:pPr algn="ctr"/>
+            <a:r>
+              <a:rPr lang="en-US" b="1" dirty="0" err="1">
+                <a:latin typeface="Times New Roman" panose="02020603050405020304" pitchFamily="18" charset="0"/>
+                <a:cs typeface="Times New Roman" panose="02020603050405020304" pitchFamily="18" charset="0"/>
+              </a:rPr>
+              <a:t>FirstActivity</a:t>
+            </a:r>
+            <a:endParaRPr lang="ru-RU" b="1" dirty="0">
+              <a:latin typeface="Times New Roman" panose="02020603050405020304" pitchFamily="18" charset="0"/>
+              <a:cs typeface="Times New Roman" panose="02020603050405020304" pitchFamily="18" charset="0"/>
+            </a:endParaRPr>
+          </a:p>
+        </p:txBody>
+      </p:sp>
+      <p:sp>
+        <p:nvSpPr>
+          <p:cNvPr id="16" name="TextBox 15">
+            <a:extLst>
+              <a:ext uri="{FF2B5EF4-FFF2-40B4-BE49-F238E27FC236}">
+                <a16:creationId xmlns:a16="http://schemas.microsoft.com/office/drawing/2014/main" id="{B9908F75-763B-E8FC-95A1-0AE669F67C41}"/>
+              </a:ext>
+            </a:extLst>
+          </p:cNvPr>
+          <p:cNvSpPr txBox="1"/>
+          <p:nvPr/>
+        </p:nvSpPr>
+        <p:spPr>
+          <a:xfrm>
+            <a:off x="5523516" y="6141536"/>
+            <a:ext cx="1714411" cy="646331"/>
+          </a:xfrm>
+          <a:prstGeom prst="rect">
+            <a:avLst/>
+          </a:prstGeom>
+          <a:noFill/>
+        </p:spPr>
+        <p:txBody>
+          <a:bodyPr wrap="square" rtlCol="0">
+            <a:spAutoFit/>
+          </a:bodyPr>
+          <a:lstStyle/>
+          <a:p>
+            <a:pPr algn="ctr"/>
+            <a:r>
+              <a:rPr lang="ru-RU" dirty="0">
+                <a:latin typeface="Times New Roman" panose="02020603050405020304" pitchFamily="18" charset="0"/>
+                <a:cs typeface="Times New Roman" panose="02020603050405020304" pitchFamily="18" charset="0"/>
+              </a:rPr>
+              <a:t>Рисунок2</a:t>
+            </a:r>
+          </a:p>
+          <a:p>
+            <a:pPr algn="ctr"/>
+            <a:r>
+              <a:rPr lang="en-US" b="1" dirty="0" err="1">
+                <a:latin typeface="Times New Roman" panose="02020603050405020304" pitchFamily="18" charset="0"/>
+                <a:cs typeface="Times New Roman" panose="02020603050405020304" pitchFamily="18" charset="0"/>
+              </a:rPr>
+              <a:t>SecondActivity</a:t>
+            </a:r>
+            <a:endParaRPr lang="ru-RU" b="1" dirty="0">
+              <a:latin typeface="Times New Roman" panose="02020603050405020304" pitchFamily="18" charset="0"/>
+              <a:cs typeface="Times New Roman" panose="02020603050405020304" pitchFamily="18" charset="0"/>
+            </a:endParaRPr>
+          </a:p>
+        </p:txBody>
+      </p:sp>
+      <p:sp>
+        <p:nvSpPr>
+          <p:cNvPr id="17" name="TextBox 16">
+            <a:extLst>
+              <a:ext uri="{FF2B5EF4-FFF2-40B4-BE49-F238E27FC236}">
+                <a16:creationId xmlns:a16="http://schemas.microsoft.com/office/drawing/2014/main" id="{6A7046FA-F4C7-B230-9947-CF82352261AD}"/>
+              </a:ext>
+            </a:extLst>
+          </p:cNvPr>
+          <p:cNvSpPr txBox="1"/>
+          <p:nvPr/>
+        </p:nvSpPr>
+        <p:spPr>
+          <a:xfrm>
+            <a:off x="9184499" y="6048510"/>
+            <a:ext cx="1633753" cy="646331"/>
+          </a:xfrm>
+          <a:prstGeom prst="rect">
+            <a:avLst/>
+          </a:prstGeom>
+          <a:noFill/>
+        </p:spPr>
+        <p:txBody>
+          <a:bodyPr wrap="square" rtlCol="0">
+            <a:spAutoFit/>
+          </a:bodyPr>
+          <a:lstStyle/>
+          <a:p>
+            <a:pPr algn="ctr"/>
+            <a:r>
+              <a:rPr lang="ru-RU" dirty="0">
+                <a:latin typeface="Times New Roman" panose="02020603050405020304" pitchFamily="18" charset="0"/>
+                <a:cs typeface="Times New Roman" panose="02020603050405020304" pitchFamily="18" charset="0"/>
+              </a:rPr>
+              <a:t>Рисунок3</a:t>
+            </a:r>
+          </a:p>
+          <a:p>
+            <a:pPr algn="ctr"/>
+            <a:r>
+              <a:rPr lang="en-US" b="1" dirty="0" err="1">
+                <a:latin typeface="Times New Roman" panose="02020603050405020304" pitchFamily="18" charset="0"/>
+                <a:cs typeface="Times New Roman" panose="02020603050405020304" pitchFamily="18" charset="0"/>
+              </a:rPr>
+              <a:t>ThirdActivity</a:t>
+            </a:r>
+            <a:endParaRPr lang="ru-RU" b="1" dirty="0">
+              <a:latin typeface="Times New Roman" panose="02020603050405020304" pitchFamily="18" charset="0"/>
+              <a:cs typeface="Times New Roman" panose="02020603050405020304" pitchFamily="18" charset="0"/>
+            </a:endParaRPr>
           </a:p>
         </p:txBody>
       </p:sp>
       <p:pic>
         <p:nvPicPr>
-          <p:cNvPr id="2" name="Рисунок 1">
-            <a:extLst>
-              <a:ext uri="{FF2B5EF4-FFF2-40B4-BE49-F238E27FC236}">
-                <a16:creationId xmlns:a16="http://schemas.microsoft.com/office/drawing/2014/main" id="{2EC72E25-43D8-413A-BFD9-A263A9DE1815}"/>
+          <p:cNvPr id="3" name="Рисунок 2">
+            <a:extLst>
+              <a:ext uri="{FF2B5EF4-FFF2-40B4-BE49-F238E27FC236}">
+                <a16:creationId xmlns:a16="http://schemas.microsoft.com/office/drawing/2014/main" id="{C357A002-C449-4CDC-A615-B9E10E525475}"/>
               </a:ext>
             </a:extLst>
           </p:cNvPr>
@@ -3811,15 +3774,108 @@
           <p:nvPr/>
         </p:nvPicPr>
         <p:blipFill>
-          <a:blip r:embed="rId2"/>
+          <a:blip r:embed="rId2">
+            <a:extLst>
+              <a:ext uri="{28A0092B-C50C-407E-A947-70E740481C1C}">
+                <a14:useLocalDpi xmlns:a14="http://schemas.microsoft.com/office/drawing/2010/main" val="0"/>
+              </a:ext>
+            </a:extLst>
+          </a:blip>
           <a:stretch>
             <a:fillRect/>
           </a:stretch>
         </p:blipFill>
         <p:spPr>
           <a:xfrm>
-            <a:off x="4033547" y="968065"/>
-            <a:ext cx="4124901" cy="5010849"/>
+            <a:off x="1973718" y="783785"/>
+            <a:ext cx="927279" cy="927279"/>
+          </a:xfrm>
+          <a:prstGeom prst="rect">
+            <a:avLst/>
+          </a:prstGeom>
+        </p:spPr>
+      </p:pic>
+      <p:pic>
+        <p:nvPicPr>
+          <p:cNvPr id="13" name="Рисунок 12">
+            <a:extLst>
+              <a:ext uri="{FF2B5EF4-FFF2-40B4-BE49-F238E27FC236}">
+                <a16:creationId xmlns:a16="http://schemas.microsoft.com/office/drawing/2014/main" id="{746A22F9-E68A-478E-AC9D-547B01449A35}"/>
+              </a:ext>
+            </a:extLst>
+          </p:cNvPr>
+          <p:cNvPicPr>
+            <a:picLocks noChangeAspect="1"/>
+          </p:cNvPicPr>
+          <p:nvPr/>
+        </p:nvPicPr>
+        <p:blipFill rotWithShape="1">
+          <a:blip r:embed="rId3"/>
+          <a:srcRect t="1023" r="1849"/>
+          <a:stretch/>
+        </p:blipFill>
+        <p:spPr>
+          <a:xfrm>
+            <a:off x="5289236" y="2314630"/>
+            <a:ext cx="2182969" cy="3696930"/>
+          </a:xfrm>
+          <a:prstGeom prst="rect">
+            <a:avLst/>
+          </a:prstGeom>
+        </p:spPr>
+      </p:pic>
+      <p:pic>
+        <p:nvPicPr>
+          <p:cNvPr id="21" name="Рисунок 20">
+            <a:extLst>
+              <a:ext uri="{FF2B5EF4-FFF2-40B4-BE49-F238E27FC236}">
+                <a16:creationId xmlns:a16="http://schemas.microsoft.com/office/drawing/2014/main" id="{9B3F6BFD-57C9-4A4C-A9BB-7B668BA1DBBC}"/>
+              </a:ext>
+            </a:extLst>
+          </p:cNvPr>
+          <p:cNvPicPr>
+            <a:picLocks noChangeAspect="1"/>
+          </p:cNvPicPr>
+          <p:nvPr/>
+        </p:nvPicPr>
+        <p:blipFill rotWithShape="1">
+          <a:blip r:embed="rId4"/>
+          <a:srcRect t="1023"/>
+          <a:stretch/>
+        </p:blipFill>
+        <p:spPr>
+          <a:xfrm>
+            <a:off x="8770683" y="2318196"/>
+            <a:ext cx="2240754" cy="3696930"/>
+          </a:xfrm>
+          <a:prstGeom prst="rect">
+            <a:avLst/>
+          </a:prstGeom>
+        </p:spPr>
+      </p:pic>
+      <p:pic>
+        <p:nvPicPr>
+          <p:cNvPr id="22" name="Рисунок 21">
+            <a:extLst>
+              <a:ext uri="{FF2B5EF4-FFF2-40B4-BE49-F238E27FC236}">
+                <a16:creationId xmlns:a16="http://schemas.microsoft.com/office/drawing/2014/main" id="{19898346-B70C-4919-A708-E38B5D05A211}"/>
+              </a:ext>
+            </a:extLst>
+          </p:cNvPr>
+          <p:cNvPicPr>
+            <a:picLocks noChangeAspect="1"/>
+          </p:cNvPicPr>
+          <p:nvPr/>
+        </p:nvPicPr>
+        <p:blipFill rotWithShape="1">
+          <a:blip r:embed="rId5"/>
+          <a:srcRect l="2325" t="834"/>
+          <a:stretch/>
+        </p:blipFill>
+        <p:spPr>
+          <a:xfrm>
+            <a:off x="1968322" y="2318196"/>
+            <a:ext cx="2182969" cy="3665661"/>
           </a:xfrm>
           <a:prstGeom prst="rect">
             <a:avLst/>
@@ -3829,7 +3885,7 @@
     </p:spTree>
     <p:extLst>
       <p:ext uri="{BB962C8B-B14F-4D97-AF65-F5344CB8AC3E}">
-        <p14:creationId xmlns:p14="http://schemas.microsoft.com/office/powerpoint/2010/main" val="3711129745"/>
+        <p14:creationId xmlns:p14="http://schemas.microsoft.com/office/powerpoint/2010/main" val="998118718"/>
       </p:ext>
     </p:extLst>
   </p:cSld>
@@ -3858,10 +3914,10 @@
       </p:grpSpPr>
       <p:sp>
         <p:nvSpPr>
-          <p:cNvPr id="2" name="TextBox 1">
-            <a:extLst>
-              <a:ext uri="{FF2B5EF4-FFF2-40B4-BE49-F238E27FC236}">
-                <a16:creationId xmlns:a16="http://schemas.microsoft.com/office/drawing/2014/main" id="{C49F4E51-EF62-13AB-584D-ACD33E0DA479}"/>
+          <p:cNvPr id="4" name="TextBox 3">
+            <a:extLst>
+              <a:ext uri="{FF2B5EF4-FFF2-40B4-BE49-F238E27FC236}">
+                <a16:creationId xmlns:a16="http://schemas.microsoft.com/office/drawing/2014/main" id="{75C789C2-CD45-A065-8880-7B3B1D9F89F2}"/>
               </a:ext>
             </a:extLst>
           </p:cNvPr>
@@ -3870,8 +3926,8 @@
         </p:nvSpPr>
         <p:spPr>
           <a:xfrm>
-            <a:off x="3887158" y="355600"/>
-            <a:ext cx="4417684" cy="646331"/>
+            <a:off x="4541823" y="321734"/>
+            <a:ext cx="3108351" cy="646331"/>
           </a:xfrm>
           <a:prstGeom prst="rect">
             <a:avLst/>
@@ -3889,17 +3945,21 @@
                 <a:latin typeface="Times New Roman" panose="02020603050405020304" pitchFamily="18" charset="0"/>
                 <a:cs typeface="Times New Roman" panose="02020603050405020304" pitchFamily="18" charset="0"/>
               </a:rPr>
-              <a:t>Производительность:</a:t>
+              <a:t>Схема классов</a:t>
+            </a:r>
+            <a:r>
+              <a:rPr lang="ru-RU" dirty="0"/>
+              <a:t>:</a:t>
             </a:r>
           </a:p>
         </p:txBody>
       </p:sp>
       <p:pic>
         <p:nvPicPr>
-          <p:cNvPr id="4" name="Рисунок 3">
-            <a:extLst>
-              <a:ext uri="{FF2B5EF4-FFF2-40B4-BE49-F238E27FC236}">
-                <a16:creationId xmlns:a16="http://schemas.microsoft.com/office/drawing/2014/main" id="{A30266F1-99AA-4ED0-ACF0-9C392E5996AA}"/>
+          <p:cNvPr id="3" name="Рисунок 2">
+            <a:extLst>
+              <a:ext uri="{FF2B5EF4-FFF2-40B4-BE49-F238E27FC236}">
+                <a16:creationId xmlns:a16="http://schemas.microsoft.com/office/drawing/2014/main" id="{77084412-2B45-48D9-A8A6-C5810A7D7F7D}"/>
               </a:ext>
             </a:extLst>
           </p:cNvPr>
@@ -3916,8 +3976,106 @@
         </p:blipFill>
         <p:spPr>
           <a:xfrm>
-            <a:off x="834980" y="1001931"/>
-            <a:ext cx="10522039" cy="2135238"/>
+            <a:off x="3713922" y="968065"/>
+            <a:ext cx="4539741" cy="5261676"/>
+          </a:xfrm>
+          <a:prstGeom prst="rect">
+            <a:avLst/>
+          </a:prstGeom>
+        </p:spPr>
+      </p:pic>
+    </p:spTree>
+    <p:extLst>
+      <p:ext uri="{BB962C8B-B14F-4D97-AF65-F5344CB8AC3E}">
+        <p14:creationId xmlns:p14="http://schemas.microsoft.com/office/powerpoint/2010/main" val="3711129745"/>
+      </p:ext>
+    </p:extLst>
+  </p:cSld>
+  <p:clrMapOvr>
+    <a:masterClrMapping/>
+  </p:clrMapOvr>
+</p:sld>
+</file>
+
+<file path=ppt/slides/slide4.xml><?xml version="1.0" encoding="utf-8"?>
+<p:sld xmlns:a="http://schemas.openxmlformats.org/drawingml/2006/main" xmlns:r="http://schemas.openxmlformats.org/officeDocument/2006/relationships" xmlns:p="http://schemas.openxmlformats.org/presentationml/2006/main">
+  <p:cSld>
+    <p:spTree>
+      <p:nvGrpSpPr>
+        <p:cNvPr id="1" name=""/>
+        <p:cNvGrpSpPr/>
+        <p:nvPr/>
+      </p:nvGrpSpPr>
+      <p:grpSpPr>
+        <a:xfrm>
+          <a:off x="0" y="0"/>
+          <a:ext cx="0" cy="0"/>
+          <a:chOff x="0" y="0"/>
+          <a:chExt cx="0" cy="0"/>
+        </a:xfrm>
+      </p:grpSpPr>
+      <p:sp>
+        <p:nvSpPr>
+          <p:cNvPr id="2" name="TextBox 1">
+            <a:extLst>
+              <a:ext uri="{FF2B5EF4-FFF2-40B4-BE49-F238E27FC236}">
+                <a16:creationId xmlns:a16="http://schemas.microsoft.com/office/drawing/2014/main" id="{C49F4E51-EF62-13AB-584D-ACD33E0DA479}"/>
+              </a:ext>
+            </a:extLst>
+          </p:cNvPr>
+          <p:cNvSpPr txBox="1"/>
+          <p:nvPr/>
+        </p:nvSpPr>
+        <p:spPr>
+          <a:xfrm>
+            <a:off x="3887158" y="355600"/>
+            <a:ext cx="4417684" cy="646331"/>
+          </a:xfrm>
+          <a:prstGeom prst="rect">
+            <a:avLst/>
+          </a:prstGeom>
+          <a:noFill/>
+        </p:spPr>
+        <p:txBody>
+          <a:bodyPr wrap="none" rtlCol="0">
+            <a:spAutoFit/>
+          </a:bodyPr>
+          <a:lstStyle/>
+          <a:p>
+            <a:r>
+              <a:rPr lang="ru-RU" sz="3600" dirty="0">
+                <a:latin typeface="Times New Roman" panose="02020603050405020304" pitchFamily="18" charset="0"/>
+                <a:cs typeface="Times New Roman" panose="02020603050405020304" pitchFamily="18" charset="0"/>
+              </a:rPr>
+              <a:t>Производительность:</a:t>
+            </a:r>
+          </a:p>
+        </p:txBody>
+      </p:sp>
+      <p:pic>
+        <p:nvPicPr>
+          <p:cNvPr id="3" name="Рисунок 2">
+            <a:extLst>
+              <a:ext uri="{FF2B5EF4-FFF2-40B4-BE49-F238E27FC236}">
+                <a16:creationId xmlns:a16="http://schemas.microsoft.com/office/drawing/2014/main" id="{6959DC78-C42E-42BD-BABD-CDAE424CB755}"/>
+              </a:ext>
+            </a:extLst>
+          </p:cNvPr>
+          <p:cNvPicPr>
+            <a:picLocks noChangeAspect="1"/>
+          </p:cNvPicPr>
+          <p:nvPr/>
+        </p:nvPicPr>
+        <p:blipFill>
+          <a:blip r:embed="rId2"/>
+          <a:stretch>
+            <a:fillRect/>
+          </a:stretch>
+        </p:blipFill>
+        <p:spPr>
+          <a:xfrm>
+            <a:off x="811368" y="1458646"/>
+            <a:ext cx="10992119" cy="1561450"/>
           </a:xfrm>
           <a:prstGeom prst="rect">
             <a:avLst/>
@@ -3926,10 +4084,10 @@
       </p:pic>
       <p:pic>
         <p:nvPicPr>
-          <p:cNvPr id="5" name="Рисунок 4">
-            <a:extLst>
-              <a:ext uri="{FF2B5EF4-FFF2-40B4-BE49-F238E27FC236}">
-                <a16:creationId xmlns:a16="http://schemas.microsoft.com/office/drawing/2014/main" id="{757B0FF0-4F92-4E60-B916-67ADBA6BABD5}"/>
+          <p:cNvPr id="6" name="Рисунок 5">
+            <a:extLst>
+              <a:ext uri="{FF2B5EF4-FFF2-40B4-BE49-F238E27FC236}">
+                <a16:creationId xmlns:a16="http://schemas.microsoft.com/office/drawing/2014/main" id="{075A28A9-B98E-4939-83CC-BD050CEBFC97}"/>
               </a:ext>
             </a:extLst>
           </p:cNvPr>
@@ -3946,8 +4104,8 @@
         </p:blipFill>
         <p:spPr>
           <a:xfrm>
-            <a:off x="972354" y="3429000"/>
-            <a:ext cx="10247290" cy="3191873"/>
+            <a:off x="811368" y="3429000"/>
+            <a:ext cx="10992119" cy="2393291"/>
           </a:xfrm>
           <a:prstGeom prst="rect">
             <a:avLst/>
@@ -3967,7 +4125,7 @@
 </p:sld>
 </file>
 
-<file path=ppt/slides/slide4.xml><?xml version="1.0" encoding="utf-8"?>
+<file path=ppt/slides/slide5.xml><?xml version="1.0" encoding="utf-8"?>
 <p:sld xmlns:a="http://schemas.openxmlformats.org/drawingml/2006/main" xmlns:r="http://schemas.openxmlformats.org/officeDocument/2006/relationships" xmlns:p="http://schemas.openxmlformats.org/presentationml/2006/main">
   <p:cSld>
     <p:spTree>
@@ -4107,7 +4265,7 @@
 </p:sld>
 </file>
 
-<file path=ppt/slides/slide5.xml><?xml version="1.0" encoding="utf-8"?>
+<file path=ppt/slides/slide6.xml><?xml version="1.0" encoding="utf-8"?>
 <p:sld xmlns:a="http://schemas.openxmlformats.org/drawingml/2006/main" xmlns:r="http://schemas.openxmlformats.org/officeDocument/2006/relationships" xmlns:p="http://schemas.openxmlformats.org/presentationml/2006/main">
   <p:cSld>
     <p:spTree>
@@ -5157,7 +5315,7 @@
 </p:sld>
 </file>
 
-<file path=ppt/slides/slide6.xml><?xml version="1.0" encoding="utf-8"?>
+<file path=ppt/slides/slide7.xml><?xml version="1.0" encoding="utf-8"?>
 <p:sld xmlns:a="http://schemas.openxmlformats.org/drawingml/2006/main" xmlns:r="http://schemas.openxmlformats.org/officeDocument/2006/relationships" xmlns:p="http://schemas.openxmlformats.org/presentationml/2006/main">
   <p:cSld>
     <p:spTree>
